--- a/Report/Sections/Diagrams/Converter Connections.pptx
+++ b/Report/Sections/Diagrams/Converter Connections.pptx
@@ -3182,7 +3182,7 @@
               </a:xfrm>
               <a:prstGeom prst="bentConnector3">
                 <a:avLst>
-                  <a:gd name="adj1" fmla="val 50000"/>
+                  <a:gd name="adj1" fmla="val 46217"/>
                 </a:avLst>
               </a:prstGeom>
               <a:ln w="12700">
@@ -3676,7 +3676,7 @@
             </p:nvSpPr>
             <p:spPr>
               <a:xfrm rot="5400000">
-                <a:off x="4131298" y="6696833"/>
+                <a:off x="4131298" y="6709359"/>
                 <a:ext cx="424390" cy="820852"/>
               </a:xfrm>
               <a:prstGeom prst="rect">
@@ -4711,13 +4711,12 @@
               </p:cNvPr>
               <p:cNvCxnSpPr>
                 <a:cxnSpLocks/>
-                <a:endCxn id="17" idx="3"/>
               </p:cNvCxnSpPr>
               <p:nvPr/>
             </p:nvCxnSpPr>
             <p:spPr>
               <a:xfrm flipH="1">
-                <a:off x="1165464" y="1598289"/>
+                <a:off x="1165464" y="1610815"/>
                 <a:ext cx="704190" cy="9144"/>
               </a:xfrm>
               <a:prstGeom prst="line">
@@ -4971,7 +4970,7 @@
               </a:xfrm>
               <a:prstGeom prst="bentConnector3">
                 <a:avLst>
-                  <a:gd name="adj1" fmla="val 48323"/>
+                  <a:gd name="adj1" fmla="val 46060"/>
                 </a:avLst>
               </a:prstGeom>
               <a:ln w="12700">
